--- a/report_gen/templates/rva-template-ws.pptx
+++ b/report_gen/templates/rva-template-ws.pptx
@@ -226,14 +226,7 @@
             <a:pPr>
               <a:defRPr/>
             </a:pPr>
-            <a:r>
-              <a:rPr lang="en-US" sz="1200" b="1" spc="300" dirty="0"/>
-              <a:t>CISA | </a:t>
-            </a:r>
-            <a:r>
-              <a:rPr lang="en-US" sz="1200" spc="300" dirty="0"/>
-              <a:t>CYBERSECURITY AND INFRASTRUCTURE SECURITY AGENCY</a:t>
-            </a:r>
+            <a:endParaRPr lang="en-US" sz="1200" spc="300" dirty="0"/>
           </a:p>
         </p:txBody>
       </p:sp>
@@ -572,7 +565,7 @@
                   <a:srgbClr val="5A5B5C"/>
                 </a:solidFill>
               </a:rPr>
-              <a:t>FOR OFFICIAL USE ONLY</a:t>
+              <a:t>CONFIDENTIAL</a:t>
             </a:r>
           </a:p>
         </p:txBody>
@@ -814,41 +807,6 @@
           </a:p>
         </p:txBody>
       </p:sp>
-      <p:pic>
-        <p:nvPicPr>
-          <p:cNvPr id="7" name="Picture 6">
-            <a:extLst>
-              <a:ext uri="{FF2B5EF4-FFF2-40B4-BE49-F238E27FC236}">
-                <a16:creationId xmlns:a16="http://schemas.microsoft.com/office/drawing/2014/main" id="{BD106CA4-0CC0-C3CC-B726-6787EF777AED}"/>
-              </a:ext>
-            </a:extLst>
-          </p:cNvPr>
-          <p:cNvPicPr>
-            <a:picLocks noChangeAspect="1"/>
-          </p:cNvPicPr>
-          <p:nvPr userDrawn="1"/>
-        </p:nvPicPr>
-        <p:blipFill>
-          <a:blip r:embed="rId2">
-            <a:extLst>
-              <a:ext uri="{28A0092B-C50C-407E-A947-70E740481C1C}">
-                <a14:useLocalDpi xmlns:a14="http://schemas.microsoft.com/office/drawing/2010/main" val="0"/>
-              </a:ext>
-            </a:extLst>
-          </a:blip>
-          <a:srcRect/>
-          <a:stretch/>
-        </p:blipFill>
-        <p:spPr>
-          <a:xfrm>
-            <a:off x="381000" y="5643650"/>
-            <a:ext cx="1066800" cy="1061950"/>
-          </a:xfrm>
-          <a:prstGeom prst="rect">
-            <a:avLst/>
-          </a:prstGeom>
-        </p:spPr>
-      </p:pic>
     </p:spTree>
     <p:extLst>
       <p:ext uri="{BB962C8B-B14F-4D97-AF65-F5344CB8AC3E}">
@@ -1070,42 +1028,6 @@
           </a:p>
         </p:txBody>
       </p:sp>
-      <p:pic>
-        <p:nvPicPr>
-          <p:cNvPr id="3" name="Picture 2" descr="A close up of a logo&#10;&#10;Description automatically generated">
-            <a:extLst>
-              <a:ext uri="{FF2B5EF4-FFF2-40B4-BE49-F238E27FC236}">
-                <a16:creationId xmlns:a16="http://schemas.microsoft.com/office/drawing/2014/main" id="{667BDF82-12E3-3724-1C61-72236791F7FC}"/>
-              </a:ext>
-            </a:extLst>
-          </p:cNvPr>
-          <p:cNvPicPr>
-            <a:picLocks noChangeAspect="1"/>
-          </p:cNvPicPr>
-          <p:nvPr userDrawn="1"/>
-        </p:nvPicPr>
-        <p:blipFill>
-          <a:blip r:embed="rId2">
-            <a:extLst>
-              <a:ext uri="{28A0092B-C50C-407E-A947-70E740481C1C}">
-                <a14:useLocalDpi xmlns:a14="http://schemas.microsoft.com/office/drawing/2010/main" val="0"/>
-              </a:ext>
-            </a:extLst>
-          </a:blip>
-          <a:stretch>
-            <a:fillRect/>
-          </a:stretch>
-        </p:blipFill>
-        <p:spPr>
-          <a:xfrm>
-            <a:off x="1447800" y="1828800"/>
-            <a:ext cx="3200400" cy="3200400"/>
-          </a:xfrm>
-          <a:prstGeom prst="rect">
-            <a:avLst/>
-          </a:prstGeom>
-        </p:spPr>
-      </p:pic>
     </p:spTree>
     <p:extLst>
       <p:ext uri="{BB962C8B-B14F-4D97-AF65-F5344CB8AC3E}">
@@ -1741,42 +1663,6 @@
           </a:p>
         </p:txBody>
       </p:sp>
-      <p:pic>
-        <p:nvPicPr>
-          <p:cNvPr id="4" name="Picture 3" descr="A close up of a logo&#10;&#10;Description automatically generated">
-            <a:extLst>
-              <a:ext uri="{FF2B5EF4-FFF2-40B4-BE49-F238E27FC236}">
-                <a16:creationId xmlns:a16="http://schemas.microsoft.com/office/drawing/2014/main" id="{39A5C02F-1B74-8573-6E26-F07BCDCD974E}"/>
-              </a:ext>
-            </a:extLst>
-          </p:cNvPr>
-          <p:cNvPicPr>
-            <a:picLocks noChangeAspect="1"/>
-          </p:cNvPicPr>
-          <p:nvPr userDrawn="1"/>
-        </p:nvPicPr>
-        <p:blipFill>
-          <a:blip r:embed="rId2">
-            <a:extLst>
-              <a:ext uri="{28A0092B-C50C-407E-A947-70E740481C1C}">
-                <a14:useLocalDpi xmlns:a14="http://schemas.microsoft.com/office/drawing/2010/main" val="0"/>
-              </a:ext>
-            </a:extLst>
-          </a:blip>
-          <a:stretch>
-            <a:fillRect/>
-          </a:stretch>
-        </p:blipFill>
-        <p:spPr>
-          <a:xfrm>
-            <a:off x="1447800" y="1828800"/>
-            <a:ext cx="3200400" cy="3200400"/>
-          </a:xfrm>
-          <a:prstGeom prst="rect">
-            <a:avLst/>
-          </a:prstGeom>
-        </p:spPr>
-      </p:pic>
     </p:spTree>
     <p:extLst>
       <p:ext uri="{BB962C8B-B14F-4D97-AF65-F5344CB8AC3E}">
@@ -2046,42 +1932,6 @@
           </a:p>
         </p:txBody>
       </p:sp>
-      <p:pic>
-        <p:nvPicPr>
-          <p:cNvPr id="3" name="Picture 2" descr="A close up of a logo&#10;&#10;Description automatically generated">
-            <a:extLst>
-              <a:ext uri="{FF2B5EF4-FFF2-40B4-BE49-F238E27FC236}">
-                <a16:creationId xmlns:a16="http://schemas.microsoft.com/office/drawing/2014/main" id="{287AA5BE-62C3-FBAE-8646-18D9665ED2E6}"/>
-              </a:ext>
-            </a:extLst>
-          </p:cNvPr>
-          <p:cNvPicPr>
-            <a:picLocks noChangeAspect="1"/>
-          </p:cNvPicPr>
-          <p:nvPr userDrawn="1"/>
-        </p:nvPicPr>
-        <p:blipFill>
-          <a:blip r:embed="rId2">
-            <a:extLst>
-              <a:ext uri="{28A0092B-C50C-407E-A947-70E740481C1C}">
-                <a14:useLocalDpi xmlns:a14="http://schemas.microsoft.com/office/drawing/2010/main" val="0"/>
-              </a:ext>
-            </a:extLst>
-          </a:blip>
-          <a:stretch>
-            <a:fillRect/>
-          </a:stretch>
-        </p:blipFill>
-        <p:spPr>
-          <a:xfrm>
-            <a:off x="1447800" y="1828800"/>
-            <a:ext cx="3200400" cy="3200400"/>
-          </a:xfrm>
-          <a:prstGeom prst="rect">
-            <a:avLst/>
-          </a:prstGeom>
-        </p:spPr>
-      </p:pic>
     </p:spTree>
     <p:extLst>
       <p:ext uri="{BB962C8B-B14F-4D97-AF65-F5344CB8AC3E}">
@@ -2364,8 +2214,8 @@
         </p:nvSpPr>
         <p:spPr bwMode="auto">
           <a:xfrm>
-            <a:off x="8189018" y="1973908"/>
-            <a:ext cx="3717748" cy="2769989"/>
+            <a:off x="8118486" y="1973908"/>
+            <a:ext cx="3788280" cy="2431435"/>
           </a:xfrm>
           <a:prstGeom prst="rect">
             <a:avLst/>
@@ -2518,24 +2368,21 @@
                 </a:solidFill>
                 <a:latin typeface="+mn-lt"/>
               </a:rPr>
-              <a:t>More information:</a:t>
+              <a:t>For more information,</a:t>
             </a:r>
           </a:p>
           <a:p>
             <a:pPr algn="r">
-              <a:lnSpc>
-                <a:spcPts val="2400"/>
-              </a:lnSpc>
               <a:defRPr/>
             </a:pPr>
             <a:r>
-              <a:rPr lang="en-US" altLang="en-US" sz="1800" b="1" dirty="0" err="1">
+              <a:rPr lang="en-US" altLang="en-US" sz="1800" dirty="0">
                 <a:solidFill>
                   <a:srgbClr val="5A5B5C"/>
                 </a:solidFill>
                 <a:latin typeface="+mn-lt"/>
               </a:rPr>
-              <a:t>cisa.gov</a:t>
+              <a:t>contact the security team.</a:t>
             </a:r>
             <a:endParaRPr lang="en-US" altLang="en-US" sz="1800" b="1" dirty="0">
               <a:solidFill>
@@ -2572,7 +2419,7 @@
                 </a:solidFill>
                 <a:latin typeface="+mn-lt"/>
               </a:rPr>
-              <a:t>Request services:</a:t>
+              <a:t>To request services,</a:t>
             </a:r>
           </a:p>
           <a:p>
@@ -2583,13 +2430,13 @@
               <a:defRPr/>
             </a:pPr>
             <a:r>
-              <a:rPr lang="en-US" altLang="en-US" sz="1800" b="1" dirty="0" err="1">
+              <a:rPr lang="en-US" altLang="en-US" sz="1800">
                 <a:solidFill>
                   <a:srgbClr val="5A5B5C"/>
                 </a:solidFill>
                 <a:latin typeface="+mn-lt"/>
               </a:rPr>
-              <a:t>vulnerability_info@cisa.dhs.gov</a:t>
+              <a:t>Contact the security team by email.</a:t>
             </a:r>
             <a:endParaRPr lang="en-US" altLang="en-US" sz="1800" b="1" dirty="0">
               <a:solidFill>
@@ -2614,20 +2461,6 @@
           </a:p>
           <a:p>
             <a:pPr algn="r">
-              <a:lnSpc>
-                <a:spcPts val="2400"/>
-              </a:lnSpc>
-              <a:defRPr/>
-            </a:pPr>
-            <a:endParaRPr lang="en-US" altLang="en-US" sz="1800" b="1" dirty="0">
-              <a:solidFill>
-                <a:srgbClr val="5A5B5C"/>
-              </a:solidFill>
-              <a:latin typeface="+mn-lt"/>
-            </a:endParaRPr>
-          </a:p>
-          <a:p>
-            <a:pPr algn="r">
               <a:defRPr/>
             </a:pPr>
             <a:endParaRPr lang="en-US" altLang="en-US" sz="1800" dirty="0">
@@ -2639,42 +2472,6 @@
           </a:p>
         </p:txBody>
       </p:sp>
-      <p:pic>
-        <p:nvPicPr>
-          <p:cNvPr id="5" name="Picture 4" descr="A close up of a logo&#10;&#10;Description automatically generated">
-            <a:extLst>
-              <a:ext uri="{FF2B5EF4-FFF2-40B4-BE49-F238E27FC236}">
-                <a16:creationId xmlns:a16="http://schemas.microsoft.com/office/drawing/2014/main" id="{6CED24D4-B833-2C4C-BD3A-0298052AA216}"/>
-              </a:ext>
-            </a:extLst>
-          </p:cNvPr>
-          <p:cNvPicPr>
-            <a:picLocks noChangeAspect="1"/>
-          </p:cNvPicPr>
-          <p:nvPr userDrawn="1"/>
-        </p:nvPicPr>
-        <p:blipFill>
-          <a:blip r:embed="rId2">
-            <a:extLst>
-              <a:ext uri="{28A0092B-C50C-407E-A947-70E740481C1C}">
-                <a14:useLocalDpi xmlns:a14="http://schemas.microsoft.com/office/drawing/2010/main" val="0"/>
-              </a:ext>
-            </a:extLst>
-          </a:blip>
-          <a:stretch>
-            <a:fillRect/>
-          </a:stretch>
-        </p:blipFill>
-        <p:spPr>
-          <a:xfrm>
-            <a:off x="1447800" y="1828800"/>
-            <a:ext cx="3200400" cy="3200400"/>
-          </a:xfrm>
-          <a:prstGeom prst="rect">
-            <a:avLst/>
-          </a:prstGeom>
-        </p:spPr>
-      </p:pic>
     </p:spTree>
     <p:extLst>
       <p:ext uri="{BB962C8B-B14F-4D97-AF65-F5344CB8AC3E}">
@@ -2874,41 +2671,6 @@
           </a:p>
         </p:txBody>
       </p:sp>
-      <p:pic>
-        <p:nvPicPr>
-          <p:cNvPr id="4" name="Picture 3">
-            <a:extLst>
-              <a:ext uri="{FF2B5EF4-FFF2-40B4-BE49-F238E27FC236}">
-                <a16:creationId xmlns:a16="http://schemas.microsoft.com/office/drawing/2014/main" id="{BD22D347-62A9-81C6-4D85-3729F1B56998}"/>
-              </a:ext>
-            </a:extLst>
-          </p:cNvPr>
-          <p:cNvPicPr>
-            <a:picLocks noChangeAspect="1"/>
-          </p:cNvPicPr>
-          <p:nvPr userDrawn="1"/>
-        </p:nvPicPr>
-        <p:blipFill>
-          <a:blip r:embed="rId2">
-            <a:extLst>
-              <a:ext uri="{28A0092B-C50C-407E-A947-70E740481C1C}">
-                <a14:useLocalDpi xmlns:a14="http://schemas.microsoft.com/office/drawing/2010/main" val="0"/>
-              </a:ext>
-            </a:extLst>
-          </a:blip>
-          <a:srcRect/>
-          <a:stretch/>
-        </p:blipFill>
-        <p:spPr>
-          <a:xfrm>
-            <a:off x="381000" y="5643650"/>
-            <a:ext cx="1066800" cy="1061950"/>
-          </a:xfrm>
-          <a:prstGeom prst="rect">
-            <a:avLst/>
-          </a:prstGeom>
-        </p:spPr>
-      </p:pic>
       <p:sp>
         <p:nvSpPr>
           <p:cNvPr id="18" name="TextBox 17">
@@ -3394,41 +3156,6 @@
           </a:p>
         </p:txBody>
       </p:sp>
-      <p:pic>
-        <p:nvPicPr>
-          <p:cNvPr id="2" name="Picture 1">
-            <a:extLst>
-              <a:ext uri="{FF2B5EF4-FFF2-40B4-BE49-F238E27FC236}">
-                <a16:creationId xmlns:a16="http://schemas.microsoft.com/office/drawing/2014/main" id="{13C47DDF-BFC8-3777-D091-53F7720476F1}"/>
-              </a:ext>
-            </a:extLst>
-          </p:cNvPr>
-          <p:cNvPicPr>
-            <a:picLocks noChangeAspect="1"/>
-          </p:cNvPicPr>
-          <p:nvPr userDrawn="1"/>
-        </p:nvPicPr>
-        <p:blipFill>
-          <a:blip r:embed="rId2">
-            <a:extLst>
-              <a:ext uri="{28A0092B-C50C-407E-A947-70E740481C1C}">
-                <a14:useLocalDpi xmlns:a14="http://schemas.microsoft.com/office/drawing/2010/main" val="0"/>
-              </a:ext>
-            </a:extLst>
-          </a:blip>
-          <a:srcRect/>
-          <a:stretch/>
-        </p:blipFill>
-        <p:spPr>
-          <a:xfrm>
-            <a:off x="381000" y="5643650"/>
-            <a:ext cx="1066800" cy="1061950"/>
-          </a:xfrm>
-          <a:prstGeom prst="rect">
-            <a:avLst/>
-          </a:prstGeom>
-        </p:spPr>
-      </p:pic>
     </p:spTree>
     <p:extLst>
       <p:ext uri="{BB962C8B-B14F-4D97-AF65-F5344CB8AC3E}">
@@ -3603,41 +3330,6 @@
           </a:p>
         </p:txBody>
       </p:sp>
-      <p:pic>
-        <p:nvPicPr>
-          <p:cNvPr id="3" name="Picture 2">
-            <a:extLst>
-              <a:ext uri="{FF2B5EF4-FFF2-40B4-BE49-F238E27FC236}">
-                <a16:creationId xmlns:a16="http://schemas.microsoft.com/office/drawing/2014/main" id="{455D2FE2-80C0-8729-0325-3D3448CFAEC8}"/>
-              </a:ext>
-            </a:extLst>
-          </p:cNvPr>
-          <p:cNvPicPr>
-            <a:picLocks noChangeAspect="1"/>
-          </p:cNvPicPr>
-          <p:nvPr userDrawn="1"/>
-        </p:nvPicPr>
-        <p:blipFill>
-          <a:blip r:embed="rId2">
-            <a:extLst>
-              <a:ext uri="{28A0092B-C50C-407E-A947-70E740481C1C}">
-                <a14:useLocalDpi xmlns:a14="http://schemas.microsoft.com/office/drawing/2010/main" val="0"/>
-              </a:ext>
-            </a:extLst>
-          </a:blip>
-          <a:srcRect/>
-          <a:stretch/>
-        </p:blipFill>
-        <p:spPr>
-          <a:xfrm>
-            <a:off x="381000" y="5643650"/>
-            <a:ext cx="1066800" cy="1061950"/>
-          </a:xfrm>
-          <a:prstGeom prst="rect">
-            <a:avLst/>
-          </a:prstGeom>
-        </p:spPr>
-      </p:pic>
     </p:spTree>
     <p:extLst>
       <p:ext uri="{BB962C8B-B14F-4D97-AF65-F5344CB8AC3E}">
@@ -3810,42 +3502,6 @@
           </a:p>
         </p:txBody>
       </p:sp>
-      <p:pic>
-        <p:nvPicPr>
-          <p:cNvPr id="4" name="Picture 3" descr="A close up of a sign&#10;&#10;Description automatically generated">
-            <a:extLst>
-              <a:ext uri="{FF2B5EF4-FFF2-40B4-BE49-F238E27FC236}">
-                <a16:creationId xmlns:a16="http://schemas.microsoft.com/office/drawing/2014/main" id="{FCB9F506-0398-B05C-F549-251FC8D28D24}"/>
-              </a:ext>
-            </a:extLst>
-          </p:cNvPr>
-          <p:cNvPicPr>
-            <a:picLocks noChangeAspect="1"/>
-          </p:cNvPicPr>
-          <p:nvPr userDrawn="1"/>
-        </p:nvPicPr>
-        <p:blipFill>
-          <a:blip r:embed="rId2">
-            <a:extLst>
-              <a:ext uri="{28A0092B-C50C-407E-A947-70E740481C1C}">
-                <a14:useLocalDpi xmlns:a14="http://schemas.microsoft.com/office/drawing/2010/main" val="0"/>
-              </a:ext>
-            </a:extLst>
-          </a:blip>
-          <a:stretch>
-            <a:fillRect/>
-          </a:stretch>
-        </p:blipFill>
-        <p:spPr>
-          <a:xfrm>
-            <a:off x="3810000" y="1143000"/>
-            <a:ext cx="4572000" cy="4572000"/>
-          </a:xfrm>
-          <a:prstGeom prst="rect">
-            <a:avLst/>
-          </a:prstGeom>
-        </p:spPr>
-      </p:pic>
     </p:spTree>
     <p:extLst>
       <p:ext uri="{BB962C8B-B14F-4D97-AF65-F5344CB8AC3E}">
@@ -4018,42 +3674,6 @@
           </a:p>
         </p:txBody>
       </p:sp>
-      <p:pic>
-        <p:nvPicPr>
-          <p:cNvPr id="3" name="Picture 2" descr="A close up of a sign&#10;&#10;Description automatically generated">
-            <a:extLst>
-              <a:ext uri="{FF2B5EF4-FFF2-40B4-BE49-F238E27FC236}">
-                <a16:creationId xmlns:a16="http://schemas.microsoft.com/office/drawing/2014/main" id="{EB072678-CEAB-620A-4C00-211B1F85580B}"/>
-              </a:ext>
-            </a:extLst>
-          </p:cNvPr>
-          <p:cNvPicPr>
-            <a:picLocks noChangeAspect="1"/>
-          </p:cNvPicPr>
-          <p:nvPr userDrawn="1"/>
-        </p:nvPicPr>
-        <p:blipFill>
-          <a:blip r:embed="rId2">
-            <a:extLst>
-              <a:ext uri="{28A0092B-C50C-407E-A947-70E740481C1C}">
-                <a14:useLocalDpi xmlns:a14="http://schemas.microsoft.com/office/drawing/2010/main" val="0"/>
-              </a:ext>
-            </a:extLst>
-          </a:blip>
-          <a:stretch>
-            <a:fillRect/>
-          </a:stretch>
-        </p:blipFill>
-        <p:spPr>
-          <a:xfrm>
-            <a:off x="3810000" y="1143000"/>
-            <a:ext cx="4572000" cy="4572000"/>
-          </a:xfrm>
-          <a:prstGeom prst="rect">
-            <a:avLst/>
-          </a:prstGeom>
-        </p:spPr>
-      </p:pic>
     </p:spTree>
     <p:extLst>
       <p:ext uri="{BB962C8B-B14F-4D97-AF65-F5344CB8AC3E}">
@@ -4435,42 +4055,6 @@
           </a:p>
         </p:txBody>
       </p:sp>
-      <p:pic>
-        <p:nvPicPr>
-          <p:cNvPr id="4" name="Picture 3" descr="A close up of a sign&#10;&#10;Description automatically generated">
-            <a:extLst>
-              <a:ext uri="{FF2B5EF4-FFF2-40B4-BE49-F238E27FC236}">
-                <a16:creationId xmlns:a16="http://schemas.microsoft.com/office/drawing/2014/main" id="{7E449073-A3A6-6A3A-DFE1-3F11F52E3A60}"/>
-              </a:ext>
-            </a:extLst>
-          </p:cNvPr>
-          <p:cNvPicPr>
-            <a:picLocks noChangeAspect="1"/>
-          </p:cNvPicPr>
-          <p:nvPr userDrawn="1"/>
-        </p:nvPicPr>
-        <p:blipFill>
-          <a:blip r:embed="rId2">
-            <a:extLst>
-              <a:ext uri="{28A0092B-C50C-407E-A947-70E740481C1C}">
-                <a14:useLocalDpi xmlns:a14="http://schemas.microsoft.com/office/drawing/2010/main" val="0"/>
-              </a:ext>
-            </a:extLst>
-          </a:blip>
-          <a:stretch>
-            <a:fillRect/>
-          </a:stretch>
-        </p:blipFill>
-        <p:spPr>
-          <a:xfrm>
-            <a:off x="3810000" y="1143000"/>
-            <a:ext cx="4572000" cy="4572000"/>
-          </a:xfrm>
-          <a:prstGeom prst="rect">
-            <a:avLst/>
-          </a:prstGeom>
-        </p:spPr>
-      </p:pic>
     </p:spTree>
     <p:extLst>
       <p:ext uri="{BB962C8B-B14F-4D97-AF65-F5344CB8AC3E}">
@@ -4686,41 +4270,6 @@
           </a:p>
         </p:txBody>
       </p:sp>
-      <p:pic>
-        <p:nvPicPr>
-          <p:cNvPr id="2" name="Picture 1">
-            <a:extLst>
-              <a:ext uri="{FF2B5EF4-FFF2-40B4-BE49-F238E27FC236}">
-                <a16:creationId xmlns:a16="http://schemas.microsoft.com/office/drawing/2014/main" id="{311F8D1C-C0A9-B7E2-0F75-E139CDC55569}"/>
-              </a:ext>
-            </a:extLst>
-          </p:cNvPr>
-          <p:cNvPicPr>
-            <a:picLocks noChangeAspect="1"/>
-          </p:cNvPicPr>
-          <p:nvPr userDrawn="1"/>
-        </p:nvPicPr>
-        <p:blipFill>
-          <a:blip r:embed="rId2">
-            <a:extLst>
-              <a:ext uri="{28A0092B-C50C-407E-A947-70E740481C1C}">
-                <a14:useLocalDpi xmlns:a14="http://schemas.microsoft.com/office/drawing/2010/main" val="0"/>
-              </a:ext>
-            </a:extLst>
-          </a:blip>
-          <a:srcRect/>
-          <a:stretch/>
-        </p:blipFill>
-        <p:spPr>
-          <a:xfrm>
-            <a:off x="381000" y="5643650"/>
-            <a:ext cx="1066800" cy="1061950"/>
-          </a:xfrm>
-          <a:prstGeom prst="rect">
-            <a:avLst/>
-          </a:prstGeom>
-        </p:spPr>
-      </p:pic>
     </p:spTree>
     <p:extLst>
       <p:ext uri="{BB962C8B-B14F-4D97-AF65-F5344CB8AC3E}">
@@ -4995,41 +4544,6 @@
           </a:p>
         </p:txBody>
       </p:sp>
-      <p:pic>
-        <p:nvPicPr>
-          <p:cNvPr id="2" name="Picture 1">
-            <a:extLst>
-              <a:ext uri="{FF2B5EF4-FFF2-40B4-BE49-F238E27FC236}">
-                <a16:creationId xmlns:a16="http://schemas.microsoft.com/office/drawing/2014/main" id="{8F45D532-443C-F308-5AD8-827F2C229965}"/>
-              </a:ext>
-            </a:extLst>
-          </p:cNvPr>
-          <p:cNvPicPr>
-            <a:picLocks noChangeAspect="1"/>
-          </p:cNvPicPr>
-          <p:nvPr userDrawn="1"/>
-        </p:nvPicPr>
-        <p:blipFill>
-          <a:blip r:embed="rId2">
-            <a:extLst>
-              <a:ext uri="{28A0092B-C50C-407E-A947-70E740481C1C}">
-                <a14:useLocalDpi xmlns:a14="http://schemas.microsoft.com/office/drawing/2010/main" val="0"/>
-              </a:ext>
-            </a:extLst>
-          </a:blip>
-          <a:srcRect/>
-          <a:stretch/>
-        </p:blipFill>
-        <p:spPr>
-          <a:xfrm>
-            <a:off x="381000" y="5643650"/>
-            <a:ext cx="1066800" cy="1061950"/>
-          </a:xfrm>
-          <a:prstGeom prst="rect">
-            <a:avLst/>
-          </a:prstGeom>
-        </p:spPr>
-      </p:pic>
     </p:spTree>
     <p:extLst>
       <p:ext uri="{BB962C8B-B14F-4D97-AF65-F5344CB8AC3E}">
@@ -6313,41 +5827,6 @@
           </a:p>
         </p:txBody>
       </p:sp>
-      <p:pic>
-        <p:nvPicPr>
-          <p:cNvPr id="5" name="Picture 4">
-            <a:extLst>
-              <a:ext uri="{FF2B5EF4-FFF2-40B4-BE49-F238E27FC236}">
-                <a16:creationId xmlns:a16="http://schemas.microsoft.com/office/drawing/2014/main" id="{79209EA9-9047-DE95-55E3-88A4E9B8A4EE}"/>
-              </a:ext>
-            </a:extLst>
-          </p:cNvPr>
-          <p:cNvPicPr>
-            <a:picLocks noChangeAspect="1"/>
-          </p:cNvPicPr>
-          <p:nvPr userDrawn="1"/>
-        </p:nvPicPr>
-        <p:blipFill>
-          <a:blip r:embed="rId2">
-            <a:extLst>
-              <a:ext uri="{28A0092B-C50C-407E-A947-70E740481C1C}">
-                <a14:useLocalDpi xmlns:a14="http://schemas.microsoft.com/office/drawing/2010/main" val="0"/>
-              </a:ext>
-            </a:extLst>
-          </a:blip>
-          <a:srcRect/>
-          <a:stretch/>
-        </p:blipFill>
-        <p:spPr>
-          <a:xfrm>
-            <a:off x="381000" y="5643650"/>
-            <a:ext cx="1066800" cy="1061950"/>
-          </a:xfrm>
-          <a:prstGeom prst="rect">
-            <a:avLst/>
-          </a:prstGeom>
-        </p:spPr>
-      </p:pic>
     </p:spTree>
     <p:extLst>
       <p:ext uri="{BB962C8B-B14F-4D97-AF65-F5344CB8AC3E}">
@@ -6755,41 +6234,6 @@
           </a:p>
         </p:txBody>
       </p:sp>
-      <p:pic>
-        <p:nvPicPr>
-          <p:cNvPr id="2" name="Picture 1">
-            <a:extLst>
-              <a:ext uri="{FF2B5EF4-FFF2-40B4-BE49-F238E27FC236}">
-                <a16:creationId xmlns:a16="http://schemas.microsoft.com/office/drawing/2014/main" id="{BA2D21E0-7537-BFD1-5C84-7C737617CFC6}"/>
-              </a:ext>
-            </a:extLst>
-          </p:cNvPr>
-          <p:cNvPicPr>
-            <a:picLocks noChangeAspect="1"/>
-          </p:cNvPicPr>
-          <p:nvPr userDrawn="1"/>
-        </p:nvPicPr>
-        <p:blipFill>
-          <a:blip r:embed="rId2">
-            <a:extLst>
-              <a:ext uri="{28A0092B-C50C-407E-A947-70E740481C1C}">
-                <a14:useLocalDpi xmlns:a14="http://schemas.microsoft.com/office/drawing/2010/main" val="0"/>
-              </a:ext>
-            </a:extLst>
-          </a:blip>
-          <a:srcRect/>
-          <a:stretch/>
-        </p:blipFill>
-        <p:spPr>
-          <a:xfrm>
-            <a:off x="381000" y="5643650"/>
-            <a:ext cx="1066800" cy="1061950"/>
-          </a:xfrm>
-          <a:prstGeom prst="rect">
-            <a:avLst/>
-          </a:prstGeom>
-        </p:spPr>
-      </p:pic>
     </p:spTree>
     <p:extLst>
       <p:ext uri="{BB962C8B-B14F-4D97-AF65-F5344CB8AC3E}">
@@ -7076,41 +6520,6 @@
           </a:p>
         </p:txBody>
       </p:sp>
-      <p:pic>
-        <p:nvPicPr>
-          <p:cNvPr id="2" name="Picture 1">
-            <a:extLst>
-              <a:ext uri="{FF2B5EF4-FFF2-40B4-BE49-F238E27FC236}">
-                <a16:creationId xmlns:a16="http://schemas.microsoft.com/office/drawing/2014/main" id="{DEAFF1B8-23EC-C646-D10E-81962FA67664}"/>
-              </a:ext>
-            </a:extLst>
-          </p:cNvPr>
-          <p:cNvPicPr>
-            <a:picLocks noChangeAspect="1"/>
-          </p:cNvPicPr>
-          <p:nvPr userDrawn="1"/>
-        </p:nvPicPr>
-        <p:blipFill>
-          <a:blip r:embed="rId2">
-            <a:extLst>
-              <a:ext uri="{28A0092B-C50C-407E-A947-70E740481C1C}">
-                <a14:useLocalDpi xmlns:a14="http://schemas.microsoft.com/office/drawing/2010/main" val="0"/>
-              </a:ext>
-            </a:extLst>
-          </a:blip>
-          <a:srcRect/>
-          <a:stretch/>
-        </p:blipFill>
-        <p:spPr>
-          <a:xfrm>
-            <a:off x="381000" y="5643650"/>
-            <a:ext cx="1066800" cy="1061950"/>
-          </a:xfrm>
-          <a:prstGeom prst="rect">
-            <a:avLst/>
-          </a:prstGeom>
-        </p:spPr>
-      </p:pic>
     </p:spTree>
     <p:extLst>
       <p:ext uri="{BB962C8B-B14F-4D97-AF65-F5344CB8AC3E}">
@@ -7358,41 +6767,6 @@
           </a:p>
         </p:txBody>
       </p:sp>
-      <p:pic>
-        <p:nvPicPr>
-          <p:cNvPr id="2" name="Picture 1">
-            <a:extLst>
-              <a:ext uri="{FF2B5EF4-FFF2-40B4-BE49-F238E27FC236}">
-                <a16:creationId xmlns:a16="http://schemas.microsoft.com/office/drawing/2014/main" id="{457FEA4E-BCEC-1DF5-1CA3-B1C4C7F9E784}"/>
-              </a:ext>
-            </a:extLst>
-          </p:cNvPr>
-          <p:cNvPicPr>
-            <a:picLocks noChangeAspect="1"/>
-          </p:cNvPicPr>
-          <p:nvPr userDrawn="1"/>
-        </p:nvPicPr>
-        <p:blipFill>
-          <a:blip r:embed="rId2">
-            <a:extLst>
-              <a:ext uri="{28A0092B-C50C-407E-A947-70E740481C1C}">
-                <a14:useLocalDpi xmlns:a14="http://schemas.microsoft.com/office/drawing/2010/main" val="0"/>
-              </a:ext>
-            </a:extLst>
-          </a:blip>
-          <a:srcRect/>
-          <a:stretch/>
-        </p:blipFill>
-        <p:spPr>
-          <a:xfrm>
-            <a:off x="381000" y="5643650"/>
-            <a:ext cx="1066800" cy="1061950"/>
-          </a:xfrm>
-          <a:prstGeom prst="rect">
-            <a:avLst/>
-          </a:prstGeom>
-        </p:spPr>
-      </p:pic>
     </p:spTree>
     <p:extLst>
       <p:ext uri="{BB962C8B-B14F-4D97-AF65-F5344CB8AC3E}">
@@ -7519,41 +6893,6 @@
           </a:p>
         </p:txBody>
       </p:sp>
-      <p:pic>
-        <p:nvPicPr>
-          <p:cNvPr id="2" name="Picture 1">
-            <a:extLst>
-              <a:ext uri="{FF2B5EF4-FFF2-40B4-BE49-F238E27FC236}">
-                <a16:creationId xmlns:a16="http://schemas.microsoft.com/office/drawing/2014/main" id="{951EC931-B5EA-F427-6283-B169991BCBF4}"/>
-              </a:ext>
-            </a:extLst>
-          </p:cNvPr>
-          <p:cNvPicPr>
-            <a:picLocks noChangeAspect="1"/>
-          </p:cNvPicPr>
-          <p:nvPr userDrawn="1"/>
-        </p:nvPicPr>
-        <p:blipFill>
-          <a:blip r:embed="rId2">
-            <a:extLst>
-              <a:ext uri="{28A0092B-C50C-407E-A947-70E740481C1C}">
-                <a14:useLocalDpi xmlns:a14="http://schemas.microsoft.com/office/drawing/2010/main" val="0"/>
-              </a:ext>
-            </a:extLst>
-          </a:blip>
-          <a:srcRect/>
-          <a:stretch/>
-        </p:blipFill>
-        <p:spPr>
-          <a:xfrm>
-            <a:off x="381000" y="5643650"/>
-            <a:ext cx="1066800" cy="1061950"/>
-          </a:xfrm>
-          <a:prstGeom prst="rect">
-            <a:avLst/>
-          </a:prstGeom>
-        </p:spPr>
-      </p:pic>
     </p:spTree>
     <p:extLst>
       <p:ext uri="{BB962C8B-B14F-4D97-AF65-F5344CB8AC3E}">
@@ -7695,7 +7034,7 @@
         <p:spPr>
           <a:xfrm>
             <a:off x="533400" y="6040438"/>
-            <a:ext cx="2514600" cy="554037"/>
+            <a:ext cx="2514600" cy="246221"/>
           </a:xfrm>
           <a:prstGeom prst="rect">
             <a:avLst/>
@@ -7717,33 +7056,7 @@
                   <a:srgbClr val="C0C2C4"/>
                 </a:solidFill>
               </a:rPr>
-              <a:t>CYBERSECURITY &amp;</a:t>
-            </a:r>
-          </a:p>
-          <a:p>
-            <a:pPr>
-              <a:defRPr/>
-            </a:pPr>
-            <a:r>
-              <a:rPr lang="en-US" sz="1000" spc="300" dirty="0">
-                <a:solidFill>
-                  <a:srgbClr val="C0C2C4"/>
-                </a:solidFill>
-              </a:rPr>
-              <a:t>INFRASTRUCTURE</a:t>
-            </a:r>
-          </a:p>
-          <a:p>
-            <a:pPr>
-              <a:defRPr/>
-            </a:pPr>
-            <a:r>
-              <a:rPr lang="en-US" sz="1000" spc="300" dirty="0">
-                <a:solidFill>
-                  <a:srgbClr val="C0C2C4"/>
-                </a:solidFill>
-              </a:rPr>
-              <a:t>SECURITY AGENCY</a:t>
+              <a:t>THE SECURITY TEAM</a:t>
             </a:r>
           </a:p>
         </p:txBody>
